--- a/docs/diagrams/ModelComponentClassDiagram.pptx
+++ b/docs/diagrams/ModelComponentClassDiagram.pptx
@@ -107,6 +107,22 @@
       </a:defRPr>
     </a:lvl9pPr>
   </p:defaultTextStyle>
+  <p:extLst>
+    <p:ext uri="{EFAFB233-063F-42B5-8137-9DF3F51BA10A}">
+      <p15:sldGuideLst xmlns:p15="http://schemas.microsoft.com/office/powerpoint/2012/main">
+        <p15:guide id="1" orient="horz" pos="1488">
+          <p15:clr>
+            <a:srgbClr val="A4A3A4"/>
+          </p15:clr>
+        </p15:guide>
+        <p15:guide id="2" pos="2880">
+          <p15:clr>
+            <a:srgbClr val="A4A3A4"/>
+          </p15:clr>
+        </p15:guide>
+      </p15:sldGuideLst>
+    </p:ext>
+  </p:extLst>
 </p:presentation>
 </file>
 
@@ -192,7 +208,7 @@
           <a:p>
             <a:fld id="{F5CC4B3F-88C1-4FFA-B1B6-F41C21DC6924}" type="datetimeFigureOut">
               <a:rPr lang="en-US" smtClean="0"/>
-              <a:t>11/19/2016</a:t>
+              <a:t>4/8/17</a:t>
             </a:fld>
             <a:endParaRPr lang="en-US"/>
           </a:p>
@@ -641,7 +657,7 @@
           <a:p>
             <a:fld id="{78C97017-6FC3-485B-9764-EAC9E56C1D49}" type="datetimeFigureOut">
               <a:rPr lang="en-US" smtClean="0"/>
-              <a:t>11/19/2016</a:t>
+              <a:t>4/8/17</a:t>
             </a:fld>
             <a:endParaRPr lang="en-US"/>
           </a:p>
@@ -811,7 +827,7 @@
           <a:p>
             <a:fld id="{78C97017-6FC3-485B-9764-EAC9E56C1D49}" type="datetimeFigureOut">
               <a:rPr lang="en-US" smtClean="0"/>
-              <a:t>11/19/2016</a:t>
+              <a:t>4/8/17</a:t>
             </a:fld>
             <a:endParaRPr lang="en-US"/>
           </a:p>
@@ -991,7 +1007,7 @@
           <a:p>
             <a:fld id="{78C97017-6FC3-485B-9764-EAC9E56C1D49}" type="datetimeFigureOut">
               <a:rPr lang="en-US" smtClean="0"/>
-              <a:t>11/19/2016</a:t>
+              <a:t>4/8/17</a:t>
             </a:fld>
             <a:endParaRPr lang="en-US"/>
           </a:p>
@@ -1161,7 +1177,7 @@
           <a:p>
             <a:fld id="{78C97017-6FC3-485B-9764-EAC9E56C1D49}" type="datetimeFigureOut">
               <a:rPr lang="en-US" smtClean="0"/>
-              <a:t>11/19/2016</a:t>
+              <a:t>4/8/17</a:t>
             </a:fld>
             <a:endParaRPr lang="en-US"/>
           </a:p>
@@ -1407,7 +1423,7 @@
           <a:p>
             <a:fld id="{78C97017-6FC3-485B-9764-EAC9E56C1D49}" type="datetimeFigureOut">
               <a:rPr lang="en-US" smtClean="0"/>
-              <a:t>11/19/2016</a:t>
+              <a:t>4/8/17</a:t>
             </a:fld>
             <a:endParaRPr lang="en-US"/>
           </a:p>
@@ -1695,7 +1711,7 @@
           <a:p>
             <a:fld id="{78C97017-6FC3-485B-9764-EAC9E56C1D49}" type="datetimeFigureOut">
               <a:rPr lang="en-US" smtClean="0"/>
-              <a:t>11/19/2016</a:t>
+              <a:t>4/8/17</a:t>
             </a:fld>
             <a:endParaRPr lang="en-US"/>
           </a:p>
@@ -2117,7 +2133,7 @@
           <a:p>
             <a:fld id="{78C97017-6FC3-485B-9764-EAC9E56C1D49}" type="datetimeFigureOut">
               <a:rPr lang="en-US" smtClean="0"/>
-              <a:t>11/19/2016</a:t>
+              <a:t>4/8/17</a:t>
             </a:fld>
             <a:endParaRPr lang="en-US"/>
           </a:p>
@@ -2235,7 +2251,7 @@
           <a:p>
             <a:fld id="{78C97017-6FC3-485B-9764-EAC9E56C1D49}" type="datetimeFigureOut">
               <a:rPr lang="en-US" smtClean="0"/>
-              <a:t>11/19/2016</a:t>
+              <a:t>4/8/17</a:t>
             </a:fld>
             <a:endParaRPr lang="en-US"/>
           </a:p>
@@ -2330,7 +2346,7 @@
           <a:p>
             <a:fld id="{78C97017-6FC3-485B-9764-EAC9E56C1D49}" type="datetimeFigureOut">
               <a:rPr lang="en-US" smtClean="0"/>
-              <a:t>11/19/2016</a:t>
+              <a:t>4/8/17</a:t>
             </a:fld>
             <a:endParaRPr lang="en-US"/>
           </a:p>
@@ -2607,7 +2623,7 @@
           <a:p>
             <a:fld id="{78C97017-6FC3-485B-9764-EAC9E56C1D49}" type="datetimeFigureOut">
               <a:rPr lang="en-US" smtClean="0"/>
-              <a:t>11/19/2016</a:t>
+              <a:t>4/8/17</a:t>
             </a:fld>
             <a:endParaRPr lang="en-US"/>
           </a:p>
@@ -2860,7 +2876,7 @@
           <a:p>
             <a:fld id="{78C97017-6FC3-485B-9764-EAC9E56C1D49}" type="datetimeFigureOut">
               <a:rPr lang="en-US" smtClean="0"/>
-              <a:t>11/19/2016</a:t>
+              <a:t>4/8/17</a:t>
             </a:fld>
             <a:endParaRPr lang="en-US"/>
           </a:p>
@@ -3073,7 +3089,7 @@
           <a:p>
             <a:fld id="{78C97017-6FC3-485B-9764-EAC9E56C1D49}" type="datetimeFigureOut">
               <a:rPr lang="en-US" smtClean="0"/>
-              <a:t>11/19/2016</a:t>
+              <a:t>4/8/17</a:t>
             </a:fld>
             <a:endParaRPr lang="en-US"/>
           </a:p>
@@ -3456,8 +3472,8 @@
         </p:nvSpPr>
         <p:spPr>
           <a:xfrm>
-            <a:off x="1119865" y="1727200"/>
-            <a:ext cx="7490735" cy="2997200"/>
+            <a:off x="757285" y="1692960"/>
+            <a:ext cx="7871735" cy="2997200"/>
           </a:xfrm>
           <a:prstGeom prst="roundRect">
             <a:avLst>
@@ -3517,7 +3533,7 @@
         </p:nvSpPr>
         <p:spPr>
           <a:xfrm>
-            <a:off x="2877180" y="3158440"/>
+            <a:off x="2514600" y="3124200"/>
             <a:ext cx="1093635" cy="346760"/>
           </a:xfrm>
           <a:prstGeom prst="rect">
@@ -3576,7 +3592,7 @@
         </p:nvSpPr>
         <p:spPr>
           <a:xfrm rot="16200000">
-            <a:off x="1683963" y="2868687"/>
+            <a:off x="1321383" y="2834447"/>
             <a:ext cx="1093635" cy="346760"/>
           </a:xfrm>
           <a:prstGeom prst="rect">
@@ -3637,7 +3653,7 @@
         </p:nvCxnSpPr>
         <p:spPr>
           <a:xfrm flipV="1">
-            <a:off x="6477000" y="3194131"/>
+            <a:off x="6114420" y="3159891"/>
             <a:ext cx="95385" cy="416514"/>
           </a:xfrm>
           <a:prstGeom prst="bentConnector2">
@@ -3678,7 +3694,7 @@
         </p:nvCxnSpPr>
         <p:spPr>
           <a:xfrm rot="5400000" flipH="1" flipV="1">
-            <a:off x="4360065" y="1080909"/>
+            <a:off x="3997485" y="1046669"/>
             <a:ext cx="378691" cy="4637261"/>
           </a:xfrm>
           <a:prstGeom prst="bentConnector4">
@@ -3720,7 +3736,7 @@
         </p:nvSpPr>
         <p:spPr>
           <a:xfrm rot="16200000">
-            <a:off x="956202" y="2861202"/>
+            <a:off x="593622" y="2826962"/>
             <a:ext cx="1093635" cy="346760"/>
           </a:xfrm>
           <a:prstGeom prst="rect">
@@ -3790,7 +3806,7 @@
         </p:nvSpPr>
         <p:spPr>
           <a:xfrm rot="16200000">
-            <a:off x="1626910" y="2952291"/>
+            <a:off x="1264330" y="2918051"/>
             <a:ext cx="270504" cy="175523"/>
           </a:xfrm>
           <a:prstGeom prst="triangle">
@@ -3840,7 +3856,7 @@
         </p:nvCxnSpPr>
         <p:spPr>
           <a:xfrm>
-            <a:off x="2656370" y="3326536"/>
+            <a:off x="2293790" y="3292296"/>
             <a:ext cx="220810" cy="5284"/>
           </a:xfrm>
           <a:prstGeom prst="straightConnector1">
@@ -3878,7 +3894,7 @@
         </p:nvSpPr>
         <p:spPr>
           <a:xfrm rot="5400000" flipV="1">
-            <a:off x="6253986" y="3522883"/>
+            <a:off x="5891406" y="3488643"/>
             <a:ext cx="270504" cy="175523"/>
           </a:xfrm>
           <a:prstGeom prst="triangle">
@@ -3929,7 +3945,7 @@
         </p:nvCxnSpPr>
         <p:spPr>
           <a:xfrm>
-            <a:off x="910091" y="3040053"/>
+            <a:off x="547511" y="3005813"/>
             <a:ext cx="419548" cy="2860"/>
           </a:xfrm>
           <a:prstGeom prst="bentConnector3">
@@ -3974,7 +3990,7 @@
         </p:nvCxnSpPr>
         <p:spPr>
           <a:xfrm flipV="1">
-            <a:off x="1849924" y="3040052"/>
+            <a:off x="1487344" y="3005812"/>
             <a:ext cx="216105" cy="1"/>
           </a:xfrm>
           <a:prstGeom prst="line">
@@ -4013,7 +4029,7 @@
         </p:nvSpPr>
         <p:spPr>
           <a:xfrm>
-            <a:off x="2420322" y="3239846"/>
+            <a:off x="2057742" y="3205606"/>
             <a:ext cx="236048" cy="173380"/>
           </a:xfrm>
           <a:prstGeom prst="flowChartDecision">
@@ -4058,7 +4074,7 @@
         </p:nvSpPr>
         <p:spPr>
           <a:xfrm>
-            <a:off x="2879490" y="2627420"/>
+            <a:off x="2516910" y="2593180"/>
             <a:ext cx="1093635" cy="346760"/>
           </a:xfrm>
           <a:prstGeom prst="rect">
@@ -4091,12 +4107,12 @@
           <a:p>
             <a:pPr algn="ctr"/>
             <a:r>
-              <a:rPr lang="en-US" sz="1050" dirty="0" err="1" smtClean="0">
+              <a:rPr lang="en-US" sz="1050" dirty="0" smtClean="0">
                 <a:solidFill>
                   <a:srgbClr val="7030A0"/>
                 </a:solidFill>
               </a:rPr>
-              <a:t>AddressBook</a:t>
+              <a:t>Typed</a:t>
             </a:r>
             <a:endParaRPr lang="en-SG" sz="1050" dirty="0">
               <a:solidFill>
@@ -4117,7 +4133,7 @@
         </p:nvCxnSpPr>
         <p:spPr>
           <a:xfrm>
-            <a:off x="2658680" y="2795516"/>
+            <a:off x="2296100" y="2761276"/>
             <a:ext cx="220810" cy="5284"/>
           </a:xfrm>
           <a:prstGeom prst="straightConnector1">
@@ -4155,7 +4171,7 @@
         </p:nvSpPr>
         <p:spPr>
           <a:xfrm>
-            <a:off x="2422632" y="2708826"/>
+            <a:off x="2060052" y="2674586"/>
             <a:ext cx="236048" cy="173380"/>
           </a:xfrm>
           <a:prstGeom prst="flowChartDecision">
@@ -4200,7 +4216,7 @@
         </p:nvSpPr>
         <p:spPr>
           <a:xfrm>
-            <a:off x="4487017" y="2847371"/>
+            <a:off x="4124437" y="2813131"/>
             <a:ext cx="1156969" cy="346760"/>
           </a:xfrm>
           <a:prstGeom prst="rect">
@@ -4238,7 +4254,7 @@
                   <a:srgbClr val="7030A0"/>
                 </a:solidFill>
               </a:rPr>
-              <a:t>UniquePersonList</a:t>
+              <a:t>UniqueTaskList</a:t>
             </a:r>
             <a:endParaRPr lang="en-SG" sz="1050" dirty="0">
               <a:solidFill>
@@ -4256,7 +4272,7 @@
         </p:nvSpPr>
         <p:spPr>
           <a:xfrm>
-            <a:off x="3984303" y="2673991"/>
+            <a:off x="3621723" y="2639751"/>
             <a:ext cx="236048" cy="173380"/>
           </a:xfrm>
           <a:prstGeom prst="flowChartDecision">
@@ -4306,7 +4322,7 @@
         </p:nvCxnSpPr>
         <p:spPr>
           <a:xfrm>
-            <a:off x="4220351" y="2760681"/>
+            <a:off x="3857771" y="2726441"/>
             <a:ext cx="266666" cy="260070"/>
           </a:xfrm>
           <a:prstGeom prst="bentConnector3">
@@ -4344,7 +4360,7 @@
         </p:nvSpPr>
         <p:spPr>
           <a:xfrm>
-            <a:off x="4477328" y="2280569"/>
+            <a:off x="4114748" y="2246329"/>
             <a:ext cx="1156969" cy="346760"/>
           </a:xfrm>
           <a:prstGeom prst="rect">
@@ -4403,7 +4419,7 @@
         </p:nvCxnSpPr>
         <p:spPr>
           <a:xfrm flipV="1">
-            <a:off x="4220351" y="2453949"/>
+            <a:off x="3857771" y="2419709"/>
             <a:ext cx="256977" cy="306732"/>
           </a:xfrm>
           <a:prstGeom prst="bentConnector3">
@@ -4443,7 +4459,7 @@
         </p:nvSpPr>
         <p:spPr>
           <a:xfrm>
-            <a:off x="6313677" y="2858066"/>
+            <a:off x="5951097" y="2823826"/>
             <a:ext cx="708186" cy="346760"/>
           </a:xfrm>
           <a:prstGeom prst="rect">
@@ -4481,7 +4497,7 @@
                   <a:srgbClr val="7030A0"/>
                 </a:solidFill>
               </a:rPr>
-              <a:t>Person</a:t>
+              <a:t>Task</a:t>
             </a:r>
             <a:endParaRPr lang="en-SG" sz="1050" dirty="0">
               <a:solidFill>
@@ -4499,7 +4515,7 @@
         </p:nvSpPr>
         <p:spPr>
           <a:xfrm>
-            <a:off x="5643227" y="2943979"/>
+            <a:off x="5280647" y="2909739"/>
             <a:ext cx="236048" cy="173380"/>
           </a:xfrm>
           <a:prstGeom prst="flowChartDecision">
@@ -4547,7 +4563,7 @@
         </p:nvCxnSpPr>
         <p:spPr>
           <a:xfrm>
-            <a:off x="5879275" y="3030669"/>
+            <a:off x="5516695" y="2996429"/>
             <a:ext cx="434402" cy="777"/>
           </a:xfrm>
           <a:prstGeom prst="bentConnector3">
@@ -4585,7 +4601,7 @@
         </p:nvSpPr>
         <p:spPr>
           <a:xfrm>
-            <a:off x="5336105" y="1809332"/>
+            <a:off x="4973525" y="1775092"/>
             <a:ext cx="483700" cy="346760"/>
           </a:xfrm>
           <a:prstGeom prst="rect">
@@ -4641,7 +4657,7 @@
         </p:nvSpPr>
         <p:spPr>
           <a:xfrm rot="16200000">
-            <a:off x="4921666" y="2066540"/>
+            <a:off x="4559086" y="2032300"/>
             <a:ext cx="236048" cy="173380"/>
           </a:xfrm>
           <a:prstGeom prst="flowChartDecision">
@@ -4689,7 +4705,7 @@
         </p:nvCxnSpPr>
         <p:spPr>
           <a:xfrm rot="5400000" flipH="1" flipV="1">
-            <a:off x="5161650" y="1860752"/>
+            <a:off x="4799070" y="1826512"/>
             <a:ext cx="52494" cy="296415"/>
           </a:xfrm>
           <a:prstGeom prst="bentConnector2">
@@ -4727,7 +4743,7 @@
         </p:nvSpPr>
         <p:spPr>
           <a:xfrm>
-            <a:off x="5128257" y="3429000"/>
+            <a:off x="4765677" y="3394760"/>
             <a:ext cx="1156969" cy="346760"/>
           </a:xfrm>
           <a:prstGeom prst="rect">
@@ -4780,7 +4796,7 @@
                   <a:srgbClr val="7030A0"/>
                 </a:solidFill>
               </a:rPr>
-              <a:t>ReadOnlyPerson</a:t>
+              <a:t>ReadOnlyTask</a:t>
             </a:r>
             <a:endParaRPr lang="en-SG" sz="1050" dirty="0">
               <a:solidFill>
@@ -4798,7 +4814,7 @@
         </p:nvSpPr>
         <p:spPr>
           <a:xfrm>
-            <a:off x="7712397" y="2564238"/>
+            <a:off x="7349817" y="2529998"/>
             <a:ext cx="708186" cy="285783"/>
           </a:xfrm>
           <a:prstGeom prst="rect">
@@ -4854,7 +4870,7 @@
         </p:nvSpPr>
         <p:spPr>
           <a:xfrm>
-            <a:off x="7041947" y="2948201"/>
+            <a:off x="6679367" y="2913961"/>
             <a:ext cx="236048" cy="173380"/>
           </a:xfrm>
           <a:prstGeom prst="flowChartDecision">
@@ -4904,7 +4920,7 @@
         </p:nvCxnSpPr>
         <p:spPr>
           <a:xfrm flipV="1">
-            <a:off x="7277995" y="2707130"/>
+            <a:off x="6915415" y="2672890"/>
             <a:ext cx="434402" cy="327761"/>
           </a:xfrm>
           <a:prstGeom prst="bentConnector3">
@@ -4942,7 +4958,7 @@
         </p:nvSpPr>
         <p:spPr>
           <a:xfrm>
-            <a:off x="7712397" y="2887216"/>
+            <a:off x="7349817" y="2852976"/>
             <a:ext cx="708186" cy="285783"/>
           </a:xfrm>
           <a:prstGeom prst="rect">
@@ -4980,7 +4996,7 @@
                   <a:srgbClr val="7030A0"/>
                 </a:solidFill>
               </a:rPr>
-              <a:t>Phone</a:t>
+              <a:t>Notes</a:t>
             </a:r>
             <a:endParaRPr lang="en-SG" sz="1050" dirty="0">
               <a:solidFill>
@@ -5001,7 +5017,7 @@
         </p:nvCxnSpPr>
         <p:spPr>
           <a:xfrm flipV="1">
-            <a:off x="7277995" y="3030108"/>
+            <a:off x="6915415" y="2995868"/>
             <a:ext cx="434402" cy="4783"/>
           </a:xfrm>
           <a:prstGeom prst="bentConnector3">
@@ -5039,8 +5055,8 @@
         </p:nvSpPr>
         <p:spPr>
           <a:xfrm>
-            <a:off x="7712397" y="3210194"/>
-            <a:ext cx="708186" cy="285783"/>
+            <a:off x="7349816" y="3175954"/>
+            <a:ext cx="1126803" cy="285783"/>
           </a:xfrm>
           <a:prstGeom prst="rect">
             <a:avLst/>
@@ -5072,12 +5088,12 @@
           <a:p>
             <a:pPr algn="ctr"/>
             <a:r>
-              <a:rPr lang="en-US" sz="1050" dirty="0" smtClean="0">
+              <a:rPr lang="en-US" sz="1050" dirty="0" err="1" smtClean="0">
                 <a:solidFill>
                   <a:srgbClr val="7030A0"/>
                 </a:solidFill>
               </a:rPr>
-              <a:t>Email</a:t>
+              <a:t>ScheduleElement</a:t>
             </a:r>
             <a:endParaRPr lang="en-SG" sz="1050" dirty="0">
               <a:solidFill>
@@ -5098,8 +5114,8 @@
         </p:nvCxnSpPr>
         <p:spPr>
           <a:xfrm>
-            <a:off x="7277995" y="3034891"/>
-            <a:ext cx="434402" cy="318195"/>
+            <a:off x="6915415" y="3000651"/>
+            <a:ext cx="434401" cy="318195"/>
           </a:xfrm>
           <a:prstGeom prst="bentConnector3">
             <a:avLst/>
@@ -5136,8 +5152,8 @@
         </p:nvSpPr>
         <p:spPr>
           <a:xfrm>
-            <a:off x="7712397" y="3533171"/>
-            <a:ext cx="708186" cy="285783"/>
+            <a:off x="7349816" y="3498931"/>
+            <a:ext cx="898204" cy="285783"/>
           </a:xfrm>
           <a:prstGeom prst="rect">
             <a:avLst/>
@@ -5169,12 +5185,12 @@
           <a:p>
             <a:pPr algn="ctr"/>
             <a:r>
-              <a:rPr lang="en-US" sz="1050" dirty="0" smtClean="0">
+              <a:rPr lang="en-US" sz="1050" smtClean="0">
                 <a:solidFill>
                   <a:srgbClr val="7030A0"/>
                 </a:solidFill>
               </a:rPr>
-              <a:t>Address</a:t>
+              <a:t>isCompleted</a:t>
             </a:r>
             <a:endParaRPr lang="en-SG" sz="1050" dirty="0">
               <a:solidFill>
@@ -5195,8 +5211,8 @@
         </p:nvCxnSpPr>
         <p:spPr>
           <a:xfrm>
-            <a:off x="7277995" y="3034891"/>
-            <a:ext cx="434402" cy="641172"/>
+            <a:off x="6915415" y="3000651"/>
+            <a:ext cx="434401" cy="641172"/>
           </a:xfrm>
           <a:prstGeom prst="bentConnector3">
             <a:avLst/>
@@ -5235,7 +5251,7 @@
         </p:nvCxnSpPr>
         <p:spPr>
           <a:xfrm rot="16200000" flipH="1">
-            <a:off x="3279321" y="2485431"/>
+            <a:off x="2916741" y="2451191"/>
             <a:ext cx="293825" cy="1"/>
           </a:xfrm>
           <a:prstGeom prst="bentConnector3">
@@ -5276,7 +5292,7 @@
         </p:nvSpPr>
         <p:spPr>
           <a:xfrm rot="10800000" flipV="1">
-            <a:off x="3290981" y="2162997"/>
+            <a:off x="2928401" y="2128757"/>
             <a:ext cx="270504" cy="175523"/>
           </a:xfrm>
           <a:prstGeom prst="triangle">
@@ -5324,7 +5340,7 @@
         </p:nvSpPr>
         <p:spPr>
           <a:xfrm>
-            <a:off x="2660303" y="1806470"/>
+            <a:off x="2297723" y="1772230"/>
             <a:ext cx="1539926" cy="346760"/>
           </a:xfrm>
           <a:prstGeom prst="rect">
@@ -5395,7 +5411,7 @@
         </p:nvSpPr>
         <p:spPr>
           <a:xfrm rot="16200000">
-            <a:off x="6527512" y="3586305"/>
+            <a:off x="6164932" y="3552065"/>
             <a:ext cx="881018" cy="261610"/>
           </a:xfrm>
           <a:prstGeom prst="rect">
@@ -5434,7 +5450,7 @@
         </p:nvSpPr>
         <p:spPr>
           <a:xfrm>
-            <a:off x="2057400" y="4239491"/>
+            <a:off x="1694820" y="4205251"/>
             <a:ext cx="1775949" cy="346760"/>
           </a:xfrm>
           <a:prstGeom prst="rect">
@@ -5516,7 +5532,7 @@
         </p:nvCxnSpPr>
         <p:spPr>
           <a:xfrm rot="16200000" flipH="1">
-            <a:off x="1364475" y="3719945"/>
+            <a:off x="1001895" y="3685705"/>
             <a:ext cx="831471" cy="554380"/>
           </a:xfrm>
           <a:prstGeom prst="bentConnector2">
@@ -5558,7 +5574,7 @@
         </p:nvCxnSpPr>
         <p:spPr>
           <a:xfrm rot="16200000" flipV="1">
-            <a:off x="5948976" y="2139271"/>
+            <a:off x="5586396" y="2105031"/>
             <a:ext cx="404117" cy="1033473"/>
           </a:xfrm>
           <a:prstGeom prst="bentConnector2">
@@ -5596,7 +5612,7 @@
         </p:nvSpPr>
         <p:spPr>
           <a:xfrm>
-            <a:off x="4324972" y="2191228"/>
+            <a:off x="3962392" y="2156988"/>
             <a:ext cx="189257" cy="178683"/>
           </a:xfrm>
           <a:prstGeom prst="rect">
@@ -5635,7 +5651,7 @@
         </p:nvSpPr>
         <p:spPr>
           <a:xfrm>
-            <a:off x="4324972" y="3058864"/>
+            <a:off x="3962392" y="3024624"/>
             <a:ext cx="189257" cy="178683"/>
           </a:xfrm>
           <a:prstGeom prst="rect">
@@ -5674,7 +5690,7 @@
         </p:nvSpPr>
         <p:spPr>
           <a:xfrm>
-            <a:off x="5689761" y="2495413"/>
+            <a:off x="5327181" y="2461173"/>
             <a:ext cx="189257" cy="178683"/>
           </a:xfrm>
           <a:prstGeom prst="rect">
@@ -5713,7 +5729,7 @@
         </p:nvSpPr>
         <p:spPr>
           <a:xfrm>
-            <a:off x="5163172" y="1778919"/>
+            <a:off x="4800592" y="1744679"/>
             <a:ext cx="189257" cy="178683"/>
           </a:xfrm>
           <a:prstGeom prst="rect">
@@ -5752,7 +5768,7 @@
         </p:nvSpPr>
         <p:spPr>
           <a:xfrm>
-            <a:off x="6135256" y="3097917"/>
+            <a:off x="5772676" y="3063677"/>
             <a:ext cx="189257" cy="178683"/>
           </a:xfrm>
           <a:prstGeom prst="rect">
@@ -5791,7 +5807,7 @@
         </p:nvSpPr>
         <p:spPr>
           <a:xfrm>
-            <a:off x="2687923" y="2564238"/>
+            <a:off x="2325343" y="2529998"/>
             <a:ext cx="189257" cy="178683"/>
           </a:xfrm>
           <a:prstGeom prst="rect">
@@ -5830,7 +5846,7 @@
         </p:nvSpPr>
         <p:spPr>
           <a:xfrm>
-            <a:off x="2656370" y="3386050"/>
+            <a:off x="2293790" y="3351810"/>
             <a:ext cx="189257" cy="178683"/>
           </a:xfrm>
           <a:prstGeom prst="rect">
@@ -5869,7 +5885,7 @@
         </p:nvSpPr>
         <p:spPr>
           <a:xfrm>
-            <a:off x="6667770" y="3210194"/>
+            <a:off x="6305190" y="3175954"/>
             <a:ext cx="189257" cy="178683"/>
           </a:xfrm>
           <a:prstGeom prst="rect">

--- a/docs/diagrams/ModelComponentClassDiagram.pptx
+++ b/docs/diagrams/ModelComponentClassDiagram.pptx
@@ -5393,7 +5393,7 @@
                   <a:srgbClr val="7030A0"/>
                 </a:solidFill>
               </a:rPr>
-              <a:t>ReadOnlyAddressBook</a:t>
+              <a:t>ReadOnlyTaskManager</a:t>
             </a:r>
             <a:endParaRPr lang="en-SG" sz="1050" dirty="0">
               <a:solidFill>

--- a/docs/diagrams/ModelComponentClassDiagram.pptx
+++ b/docs/diagrams/ModelComponentClassDiagram.pptx
@@ -4107,12 +4107,12 @@
           <a:p>
             <a:pPr algn="ctr"/>
             <a:r>
-              <a:rPr lang="en-US" sz="1050" dirty="0" smtClean="0">
+              <a:rPr lang="en-US" sz="1050" dirty="0" err="1" smtClean="0">
                 <a:solidFill>
                   <a:srgbClr val="7030A0"/>
                 </a:solidFill>
               </a:rPr>
-              <a:t>Typed</a:t>
+              <a:t>TaskManager</a:t>
             </a:r>
             <a:endParaRPr lang="en-SG" sz="1050" dirty="0">
               <a:solidFill>
@@ -5185,7 +5185,7 @@
           <a:p>
             <a:pPr algn="ctr"/>
             <a:r>
-              <a:rPr lang="en-US" sz="1050" smtClean="0">
+              <a:rPr lang="en-US" sz="1050" dirty="0" err="1" smtClean="0">
                 <a:solidFill>
                   <a:srgbClr val="7030A0"/>
                 </a:solidFill>

--- a/docs/diagrams/ModelComponentClassDiagram.pptx
+++ b/docs/diagrams/ModelComponentClassDiagram.pptx
@@ -208,7 +208,7 @@
           <a:p>
             <a:fld id="{F5CC4B3F-88C1-4FFA-B1B6-F41C21DC6924}" type="datetimeFigureOut">
               <a:rPr lang="en-US" smtClean="0"/>
-              <a:t>4/8/17</a:t>
+              <a:t>4/10/17</a:t>
             </a:fld>
             <a:endParaRPr lang="en-US"/>
           </a:p>
@@ -657,7 +657,7 @@
           <a:p>
             <a:fld id="{78C97017-6FC3-485B-9764-EAC9E56C1D49}" type="datetimeFigureOut">
               <a:rPr lang="en-US" smtClean="0"/>
-              <a:t>4/8/17</a:t>
+              <a:t>4/10/17</a:t>
             </a:fld>
             <a:endParaRPr lang="en-US"/>
           </a:p>
@@ -827,7 +827,7 @@
           <a:p>
             <a:fld id="{78C97017-6FC3-485B-9764-EAC9E56C1D49}" type="datetimeFigureOut">
               <a:rPr lang="en-US" smtClean="0"/>
-              <a:t>4/8/17</a:t>
+              <a:t>4/10/17</a:t>
             </a:fld>
             <a:endParaRPr lang="en-US"/>
           </a:p>
@@ -1007,7 +1007,7 @@
           <a:p>
             <a:fld id="{78C97017-6FC3-485B-9764-EAC9E56C1D49}" type="datetimeFigureOut">
               <a:rPr lang="en-US" smtClean="0"/>
-              <a:t>4/8/17</a:t>
+              <a:t>4/10/17</a:t>
             </a:fld>
             <a:endParaRPr lang="en-US"/>
           </a:p>
@@ -1177,7 +1177,7 @@
           <a:p>
             <a:fld id="{78C97017-6FC3-485B-9764-EAC9E56C1D49}" type="datetimeFigureOut">
               <a:rPr lang="en-US" smtClean="0"/>
-              <a:t>4/8/17</a:t>
+              <a:t>4/10/17</a:t>
             </a:fld>
             <a:endParaRPr lang="en-US"/>
           </a:p>
@@ -1423,7 +1423,7 @@
           <a:p>
             <a:fld id="{78C97017-6FC3-485B-9764-EAC9E56C1D49}" type="datetimeFigureOut">
               <a:rPr lang="en-US" smtClean="0"/>
-              <a:t>4/8/17</a:t>
+              <a:t>4/10/17</a:t>
             </a:fld>
             <a:endParaRPr lang="en-US"/>
           </a:p>
@@ -1711,7 +1711,7 @@
           <a:p>
             <a:fld id="{78C97017-6FC3-485B-9764-EAC9E56C1D49}" type="datetimeFigureOut">
               <a:rPr lang="en-US" smtClean="0"/>
-              <a:t>4/8/17</a:t>
+              <a:t>4/10/17</a:t>
             </a:fld>
             <a:endParaRPr lang="en-US"/>
           </a:p>
@@ -2133,7 +2133,7 @@
           <a:p>
             <a:fld id="{78C97017-6FC3-485B-9764-EAC9E56C1D49}" type="datetimeFigureOut">
               <a:rPr lang="en-US" smtClean="0"/>
-              <a:t>4/8/17</a:t>
+              <a:t>4/10/17</a:t>
             </a:fld>
             <a:endParaRPr lang="en-US"/>
           </a:p>
@@ -2251,7 +2251,7 @@
           <a:p>
             <a:fld id="{78C97017-6FC3-485B-9764-EAC9E56C1D49}" type="datetimeFigureOut">
               <a:rPr lang="en-US" smtClean="0"/>
-              <a:t>4/8/17</a:t>
+              <a:t>4/10/17</a:t>
             </a:fld>
             <a:endParaRPr lang="en-US"/>
           </a:p>
@@ -2346,7 +2346,7 @@
           <a:p>
             <a:fld id="{78C97017-6FC3-485B-9764-EAC9E56C1D49}" type="datetimeFigureOut">
               <a:rPr lang="en-US" smtClean="0"/>
-              <a:t>4/8/17</a:t>
+              <a:t>4/10/17</a:t>
             </a:fld>
             <a:endParaRPr lang="en-US"/>
           </a:p>
@@ -2623,7 +2623,7 @@
           <a:p>
             <a:fld id="{78C97017-6FC3-485B-9764-EAC9E56C1D49}" type="datetimeFigureOut">
               <a:rPr lang="en-US" smtClean="0"/>
-              <a:t>4/8/17</a:t>
+              <a:t>4/10/17</a:t>
             </a:fld>
             <a:endParaRPr lang="en-US"/>
           </a:p>
@@ -2876,7 +2876,7 @@
           <a:p>
             <a:fld id="{78C97017-6FC3-485B-9764-EAC9E56C1D49}" type="datetimeFigureOut">
               <a:rPr lang="en-US" smtClean="0"/>
-              <a:t>4/8/17</a:t>
+              <a:t>4/10/17</a:t>
             </a:fld>
             <a:endParaRPr lang="en-US"/>
           </a:p>
@@ -3089,7 +3089,7 @@
           <a:p>
             <a:fld id="{78C97017-6FC3-485B-9764-EAC9E56C1D49}" type="datetimeFigureOut">
               <a:rPr lang="en-US" smtClean="0"/>
-              <a:t>4/8/17</a:t>
+              <a:t>4/10/17</a:t>
             </a:fld>
             <a:endParaRPr lang="en-US"/>
           </a:p>
@@ -3473,7 +3473,7 @@
         <p:spPr>
           <a:xfrm>
             <a:off x="757285" y="1692960"/>
-            <a:ext cx="7871735" cy="2997200"/>
+            <a:ext cx="8081915" cy="2997200"/>
           </a:xfrm>
           <a:prstGeom prst="roundRect">
             <a:avLst>
@@ -5916,6 +5916,105 @@
           </a:p>
         </p:txBody>
       </p:sp>
+      <p:sp>
+        <p:nvSpPr>
+          <p:cNvPr id="55" name="Rectangle 8"/>
+          <p:cNvSpPr/>
+          <p:nvPr/>
+        </p:nvSpPr>
+        <p:spPr>
+          <a:xfrm>
+            <a:off x="6701997" y="1989812"/>
+            <a:ext cx="898204" cy="285783"/>
+          </a:xfrm>
+          <a:prstGeom prst="rect">
+            <a:avLst/>
+          </a:prstGeom>
+          <a:ln w="19050">
+            <a:solidFill>
+              <a:srgbClr val="7030A0"/>
+            </a:solidFill>
+          </a:ln>
+          <a:effectLst/>
+        </p:spPr>
+        <p:style>
+          <a:lnRef idx="1">
+            <a:schemeClr val="accent4"/>
+          </a:lnRef>
+          <a:fillRef idx="2">
+            <a:schemeClr val="accent4"/>
+          </a:fillRef>
+          <a:effectRef idx="1">
+            <a:schemeClr val="accent4"/>
+          </a:effectRef>
+          <a:fontRef idx="minor">
+            <a:schemeClr val="dk1"/>
+          </a:fontRef>
+        </p:style>
+        <p:txBody>
+          <a:bodyPr rtlCol="0" anchor="ctr"/>
+          <a:lstStyle/>
+          <a:p>
+            <a:pPr algn="ctr"/>
+            <a:r>
+              <a:rPr lang="en-US" sz="1050" dirty="0" err="1" smtClean="0">
+                <a:solidFill>
+                  <a:srgbClr val="7030A0"/>
+                </a:solidFill>
+              </a:rPr>
+              <a:t>DateTime</a:t>
+            </a:r>
+            <a:endParaRPr lang="en-SG" sz="1050" dirty="0">
+              <a:solidFill>
+                <a:srgbClr val="7030A0"/>
+              </a:solidFill>
+            </a:endParaRPr>
+          </a:p>
+        </p:txBody>
+      </p:sp>
+      <p:cxnSp>
+        <p:nvCxnSpPr>
+          <p:cNvPr id="73" name="Elbow Connector 72"/>
+          <p:cNvCxnSpPr>
+            <a:stCxn id="83" idx="3"/>
+            <a:endCxn id="55" idx="3"/>
+          </p:cNvCxnSpPr>
+          <p:nvPr/>
+        </p:nvCxnSpPr>
+        <p:spPr>
+          <a:xfrm flipH="1" flipV="1">
+            <a:off x="7600201" y="2132704"/>
+            <a:ext cx="876418" cy="1186142"/>
+          </a:xfrm>
+          <a:prstGeom prst="bentConnector3">
+            <a:avLst>
+              <a:gd name="adj1" fmla="val -26083"/>
+            </a:avLst>
+          </a:prstGeom>
+          <a:ln w="19050">
+            <a:solidFill>
+              <a:srgbClr val="7030A0"/>
+            </a:solidFill>
+            <a:headEnd type="none" w="med" len="med"/>
+            <a:tailEnd type="arrow" w="med" len="med"/>
+          </a:ln>
+          <a:effectLst/>
+        </p:spPr>
+        <p:style>
+          <a:lnRef idx="1">
+            <a:schemeClr val="accent2"/>
+          </a:lnRef>
+          <a:fillRef idx="2">
+            <a:schemeClr val="accent2"/>
+          </a:fillRef>
+          <a:effectRef idx="1">
+            <a:schemeClr val="accent2"/>
+          </a:effectRef>
+          <a:fontRef idx="minor">
+            <a:schemeClr val="dk1"/>
+          </a:fontRef>
+        </p:style>
+      </p:cxnSp>
     </p:spTree>
     <p:extLst>
       <p:ext uri="{BB962C8B-B14F-4D97-AF65-F5344CB8AC3E}">
